--- a/Network-Security/Module_2 Cryptography/Lesson_4_PrudentEngineering.pptx
+++ b/Network-Security/Module_2 Cryptography/Lesson_4_PrudentEngineering.pptx
@@ -294,7 +294,7 @@
               <a:pPr>
                 <a:defRPr/>
               </a:pPr>
-              <a:t>4/1/2018</a:t>
+              <a:t>4/3/2018</a:t>
             </a:fld>
             <a:endParaRPr lang="en-US"/>
           </a:p>
@@ -4541,7 +4541,7 @@
           <a:p>
             <a:r>
               <a:rPr lang="en-US" dirty="0"/>
-              <a:t>Lesson 4: Prudent Engineering Practices</a:t>
+              <a:t>Lesson 4: Cryptographic Protocols</a:t>
             </a:r>
           </a:p>
         </p:txBody>
@@ -6293,7 +6293,7 @@
           <a:p>
             <a:r>
               <a:rPr lang="en-US" dirty="0"/>
-              <a:t>Internetworking Module</a:t>
+              <a:t>Cryptography Module</a:t>
             </a:r>
           </a:p>
         </p:txBody>
@@ -7052,7 +7052,7 @@
             </a:pPr>
             <a:r>
               <a:rPr lang="en-US" sz="2600" dirty="0"/>
-              <a:t>Trusted System Design Elements </a:t>
+              <a:t>Recall Trusted System Design Elements </a:t>
             </a:r>
           </a:p>
           <a:p>
@@ -7199,6 +7199,23 @@
               <a:rPr lang="en-US" sz="2200" dirty="0"/>
               <a:t>Ease of use</a:t>
             </a:r>
+          </a:p>
+          <a:p>
+            <a:pPr marL="400050" indent="-285750">
+              <a:tabLst>
+                <a:tab pos="4337050" algn="l"/>
+                <a:tab pos="4630738" algn="l"/>
+              </a:tabLst>
+            </a:pPr>
+            <a:r>
+              <a:rPr lang="en-US" sz="2600" dirty="0"/>
+              <a:t>How do they fit into the </a:t>
+            </a:r>
+            <a:r>
+              <a:rPr lang="en-US" sz="2600"/>
+              <a:t>preceding principles?</a:t>
+            </a:r>
+            <a:endParaRPr lang="en-US" sz="2600" dirty="0"/>
           </a:p>
         </p:txBody>
       </p:sp>

--- a/Network-Security/Module_2 Cryptography/Lesson_4_PrudentEngineering.pptx
+++ b/Network-Security/Module_2 Cryptography/Lesson_4_PrudentEngineering.pptx
@@ -294,7 +294,7 @@
               <a:pPr>
                 <a:defRPr/>
               </a:pPr>
-              <a:t>4/3/2018</a:t>
+              <a:t>4/21/18</a:t>
             </a:fld>
             <a:endParaRPr lang="en-US"/>
           </a:p>
@@ -3393,7 +3393,7 @@
           <p:cNvPr id="2" name="Title 1">
             <a:extLst>
               <a:ext uri="{FF2B5EF4-FFF2-40B4-BE49-F238E27FC236}">
-                <a16:creationId xmlns:a16="http://schemas.microsoft.com/office/drawing/2014/main" id="{5C287DE2-E1A2-4F41-96FE-94AF4425CB03}"/>
+                <a16:creationId xmlns:a16="http://schemas.microsoft.com/office/drawing/2014/main" xmlns="" id="{5C287DE2-E1A2-4F41-96FE-94AF4425CB03}"/>
               </a:ext>
             </a:extLst>
           </p:cNvPr>
@@ -3418,6 +3418,10 @@
             </a:lvl1pPr>
           </a:lstStyle>
           <a:p>
+            <a:r>
+              <a:rPr lang="en-US" dirty="0"/>
+              <a:t/>
+            </a:r>
             <a:br>
               <a:rPr lang="en-US" dirty="0"/>
             </a:br>
@@ -3435,27 +3439,59 @@
             <a:br>
               <a:rPr lang="en-US" dirty="0"/>
             </a:br>
+            <a:r>
+              <a:rPr lang="en-US" dirty="0"/>
+              <a:t/>
+            </a:r>
             <a:br>
               <a:rPr lang="en-US" dirty="0"/>
             </a:br>
+            <a:r>
+              <a:rPr lang="en-US" dirty="0"/>
+              <a:t/>
+            </a:r>
             <a:br>
               <a:rPr lang="en-US" dirty="0"/>
             </a:br>
+            <a:r>
+              <a:rPr lang="en-US" dirty="0"/>
+              <a:t/>
+            </a:r>
             <a:br>
               <a:rPr lang="en-US" dirty="0"/>
             </a:br>
+            <a:r>
+              <a:rPr lang="en-US" dirty="0"/>
+              <a:t/>
+            </a:r>
             <a:br>
               <a:rPr lang="en-US" dirty="0"/>
             </a:br>
+            <a:r>
+              <a:rPr lang="en-US" dirty="0"/>
+              <a:t/>
+            </a:r>
             <a:br>
               <a:rPr lang="en-US" dirty="0"/>
             </a:br>
+            <a:r>
+              <a:rPr lang="en-US" dirty="0"/>
+              <a:t/>
+            </a:r>
             <a:br>
               <a:rPr lang="en-US" dirty="0"/>
             </a:br>
+            <a:r>
+              <a:rPr lang="en-US" dirty="0"/>
+              <a:t/>
+            </a:r>
             <a:br>
               <a:rPr lang="en-US" dirty="0"/>
             </a:br>
+            <a:r>
+              <a:rPr lang="en-US" dirty="0"/>
+              <a:t/>
+            </a:r>
             <a:br>
               <a:rPr lang="en-US" dirty="0"/>
             </a:br>
@@ -3466,6 +3502,10 @@
             <a:br>
               <a:rPr lang="en-US" dirty="0"/>
             </a:br>
+            <a:r>
+              <a:rPr lang="en-US" dirty="0"/>
+              <a:t/>
+            </a:r>
             <a:br>
               <a:rPr lang="en-US" dirty="0"/>
             </a:br>
@@ -3476,6 +3516,10 @@
             <a:br>
               <a:rPr lang="en-US" dirty="0"/>
             </a:br>
+            <a:r>
+              <a:rPr lang="en-US" dirty="0"/>
+              <a:t/>
+            </a:r>
             <a:br>
               <a:rPr lang="en-US" dirty="0"/>
             </a:br>
@@ -3495,7 +3539,7 @@
           <p:cNvPr id="3" name="Slide Number Placeholder 2">
             <a:extLst>
               <a:ext uri="{FF2B5EF4-FFF2-40B4-BE49-F238E27FC236}">
-                <a16:creationId xmlns:a16="http://schemas.microsoft.com/office/drawing/2014/main" id="{7D2FFADE-E1BC-48C1-83AA-6DDDD39A33C4}"/>
+                <a16:creationId xmlns:a16="http://schemas.microsoft.com/office/drawing/2014/main" xmlns="" id="{7D2FFADE-E1BC-48C1-83AA-6DDDD39A33C4}"/>
               </a:ext>
             </a:extLst>
           </p:cNvPr>
@@ -3530,7 +3574,7 @@
           <p:cNvPr id="9" name="Picture 8">
             <a:extLst>
               <a:ext uri="{FF2B5EF4-FFF2-40B4-BE49-F238E27FC236}">
-                <a16:creationId xmlns:a16="http://schemas.microsoft.com/office/drawing/2014/main" id="{9CBFC76A-A606-42CF-BCDF-C73975C150B9}"/>
+                <a16:creationId xmlns:a16="http://schemas.microsoft.com/office/drawing/2014/main" xmlns="" id="{9CBFC76A-A606-42CF-BCDF-C73975C150B9}"/>
               </a:ext>
             </a:extLst>
           </p:cNvPr>
@@ -4507,9 +4551,17 @@
           <a:bodyPr/>
           <a:lstStyle/>
           <a:p>
+            <a:r>
+              <a:rPr lang="en-US" dirty="0"/>
+              <a:t/>
+            </a:r>
             <a:br>
               <a:rPr lang="en-US" dirty="0"/>
             </a:br>
+            <a:r>
+              <a:rPr lang="en-US"/>
+              <a:t/>
+            </a:r>
             <a:br>
               <a:rPr lang="en-US"/>
             </a:br>
@@ -4541,7 +4593,7 @@
           <a:p>
             <a:r>
               <a:rPr lang="en-US" dirty="0"/>
-              <a:t>Lesson 4: Cryptographic Protocols</a:t>
+              <a:t>Lesson 4: Prudent Engineering Practices</a:t>
             </a:r>
           </a:p>
         </p:txBody>
@@ -4584,7 +4636,7 @@
           <p:cNvPr id="2" name="Title 1">
             <a:extLst>
               <a:ext uri="{FF2B5EF4-FFF2-40B4-BE49-F238E27FC236}">
-                <a16:creationId xmlns:a16="http://schemas.microsoft.com/office/drawing/2014/main" id="{7FED572C-2F21-4588-AAB8-A3CB52A86770}"/>
+                <a16:creationId xmlns:a16="http://schemas.microsoft.com/office/drawing/2014/main" xmlns="" id="{7FED572C-2F21-4588-AAB8-A3CB52A86770}"/>
               </a:ext>
             </a:extLst>
           </p:cNvPr>
@@ -4612,7 +4664,7 @@
           <p:cNvPr id="3" name="Content Placeholder 2">
             <a:extLst>
               <a:ext uri="{FF2B5EF4-FFF2-40B4-BE49-F238E27FC236}">
-                <a16:creationId xmlns:a16="http://schemas.microsoft.com/office/drawing/2014/main" id="{D0740C6A-14C3-4051-BE51-24C4CA63CE30}"/>
+                <a16:creationId xmlns:a16="http://schemas.microsoft.com/office/drawing/2014/main" xmlns="" id="{D0740C6A-14C3-4051-BE51-24C4CA63CE30}"/>
               </a:ext>
             </a:extLst>
           </p:cNvPr>
@@ -4814,7 +4866,7 @@
           <p:cNvPr id="4" name="Slide Number Placeholder 3">
             <a:extLst>
               <a:ext uri="{FF2B5EF4-FFF2-40B4-BE49-F238E27FC236}">
-                <a16:creationId xmlns:a16="http://schemas.microsoft.com/office/drawing/2014/main" id="{DD9B5BAE-C874-4548-B248-9054C11AC91D}"/>
+                <a16:creationId xmlns:a16="http://schemas.microsoft.com/office/drawing/2014/main" xmlns="" id="{DD9B5BAE-C874-4548-B248-9054C11AC91D}"/>
               </a:ext>
             </a:extLst>
           </p:cNvPr>
@@ -4882,7 +4934,7 @@
           <p:cNvPr id="2" name="Title 1">
             <a:extLst>
               <a:ext uri="{FF2B5EF4-FFF2-40B4-BE49-F238E27FC236}">
-                <a16:creationId xmlns:a16="http://schemas.microsoft.com/office/drawing/2014/main" id="{8812C18B-8331-41B4-BC6F-0057B47035D3}"/>
+                <a16:creationId xmlns:a16="http://schemas.microsoft.com/office/drawing/2014/main" xmlns="" id="{8812C18B-8331-41B4-BC6F-0057B47035D3}"/>
               </a:ext>
             </a:extLst>
           </p:cNvPr>
@@ -4911,7 +4963,7 @@
           <p:cNvPr id="3" name="Content Placeholder 2">
             <a:extLst>
               <a:ext uri="{FF2B5EF4-FFF2-40B4-BE49-F238E27FC236}">
-                <a16:creationId xmlns:a16="http://schemas.microsoft.com/office/drawing/2014/main" id="{95ACF869-10A4-45FF-8FC4-8E6ADC5ED1EC}"/>
+                <a16:creationId xmlns:a16="http://schemas.microsoft.com/office/drawing/2014/main" xmlns="" id="{95ACF869-10A4-45FF-8FC4-8E6ADC5ED1EC}"/>
               </a:ext>
             </a:extLst>
           </p:cNvPr>
@@ -4995,7 +5047,7 @@
           <p:cNvPr id="4" name="Slide Number Placeholder 3">
             <a:extLst>
               <a:ext uri="{FF2B5EF4-FFF2-40B4-BE49-F238E27FC236}">
-                <a16:creationId xmlns:a16="http://schemas.microsoft.com/office/drawing/2014/main" id="{855947FE-A955-4A42-8B8B-F96B9584505D}"/>
+                <a16:creationId xmlns:a16="http://schemas.microsoft.com/office/drawing/2014/main" xmlns="" id="{855947FE-A955-4A42-8B8B-F96B9584505D}"/>
               </a:ext>
             </a:extLst>
           </p:cNvPr>
@@ -5058,7 +5110,7 @@
           <p:cNvPr id="2" name="Title 1">
             <a:extLst>
               <a:ext uri="{FF2B5EF4-FFF2-40B4-BE49-F238E27FC236}">
-                <a16:creationId xmlns:a16="http://schemas.microsoft.com/office/drawing/2014/main" id="{66026567-2EA9-481A-AF4A-BD512E53F736}"/>
+                <a16:creationId xmlns:a16="http://schemas.microsoft.com/office/drawing/2014/main" xmlns="" id="{66026567-2EA9-481A-AF4A-BD512E53F736}"/>
               </a:ext>
             </a:extLst>
           </p:cNvPr>
@@ -5091,7 +5143,7 @@
           <p:cNvPr id="3" name="Content Placeholder 2">
             <a:extLst>
               <a:ext uri="{FF2B5EF4-FFF2-40B4-BE49-F238E27FC236}">
-                <a16:creationId xmlns:a16="http://schemas.microsoft.com/office/drawing/2014/main" id="{EEAEBE1B-24E3-4472-88AC-82B5D241C478}"/>
+                <a16:creationId xmlns:a16="http://schemas.microsoft.com/office/drawing/2014/main" xmlns="" id="{EEAEBE1B-24E3-4472-88AC-82B5D241C478}"/>
               </a:ext>
             </a:extLst>
           </p:cNvPr>
@@ -5324,7 +5376,7 @@
           <p:cNvPr id="4" name="Slide Number Placeholder 3">
             <a:extLst>
               <a:ext uri="{FF2B5EF4-FFF2-40B4-BE49-F238E27FC236}">
-                <a16:creationId xmlns:a16="http://schemas.microsoft.com/office/drawing/2014/main" id="{34B9BC4B-05F3-4F0C-A005-6363A5FB6616}"/>
+                <a16:creationId xmlns:a16="http://schemas.microsoft.com/office/drawing/2014/main" xmlns="" id="{34B9BC4B-05F3-4F0C-A005-6363A5FB6616}"/>
               </a:ext>
             </a:extLst>
           </p:cNvPr>
@@ -5359,7 +5411,7 @@
           <p:cNvPr id="6" name="Connector: Curved 5">
             <a:extLst>
               <a:ext uri="{FF2B5EF4-FFF2-40B4-BE49-F238E27FC236}">
-                <a16:creationId xmlns:a16="http://schemas.microsoft.com/office/drawing/2014/main" id="{7952C64E-9017-4AE7-9B31-E7A061FE3339}"/>
+                <a16:creationId xmlns:a16="http://schemas.microsoft.com/office/drawing/2014/main" xmlns="" id="{7952C64E-9017-4AE7-9B31-E7A061FE3339}"/>
               </a:ext>
             </a:extLst>
           </p:cNvPr>
@@ -5435,7 +5487,7 @@
           <p:cNvPr id="2" name="Title 1">
             <a:extLst>
               <a:ext uri="{FF2B5EF4-FFF2-40B4-BE49-F238E27FC236}">
-                <a16:creationId xmlns:a16="http://schemas.microsoft.com/office/drawing/2014/main" id="{65DD17AA-49E5-4354-9B0F-464E2EBE27C8}"/>
+                <a16:creationId xmlns:a16="http://schemas.microsoft.com/office/drawing/2014/main" xmlns="" id="{65DD17AA-49E5-4354-9B0F-464E2EBE27C8}"/>
               </a:ext>
             </a:extLst>
           </p:cNvPr>
@@ -5463,7 +5515,7 @@
           <p:cNvPr id="3" name="Content Placeholder 2">
             <a:extLst>
               <a:ext uri="{FF2B5EF4-FFF2-40B4-BE49-F238E27FC236}">
-                <a16:creationId xmlns:a16="http://schemas.microsoft.com/office/drawing/2014/main" id="{D27BDD29-9B0E-402C-805F-D06FF59AB037}"/>
+                <a16:creationId xmlns:a16="http://schemas.microsoft.com/office/drawing/2014/main" xmlns="" id="{D27BDD29-9B0E-402C-805F-D06FF59AB037}"/>
               </a:ext>
             </a:extLst>
           </p:cNvPr>
@@ -5535,7 +5587,7 @@
           <p:cNvPr id="4" name="Slide Number Placeholder 3">
             <a:extLst>
               <a:ext uri="{FF2B5EF4-FFF2-40B4-BE49-F238E27FC236}">
-                <a16:creationId xmlns:a16="http://schemas.microsoft.com/office/drawing/2014/main" id="{6C3898B7-DB42-4A8D-A776-1811FFF1F152}"/>
+                <a16:creationId xmlns:a16="http://schemas.microsoft.com/office/drawing/2014/main" xmlns="" id="{6C3898B7-DB42-4A8D-A776-1811FFF1F152}"/>
               </a:ext>
             </a:extLst>
           </p:cNvPr>
@@ -5647,7 +5699,7 @@
           <p:cNvPr id="4" name="Slide Number Placeholder 3">
             <a:extLst>
               <a:ext uri="{FF2B5EF4-FFF2-40B4-BE49-F238E27FC236}">
-                <a16:creationId xmlns:a16="http://schemas.microsoft.com/office/drawing/2014/main" id="{DA964FF9-45F8-470D-B04E-BF9AB14CED00}"/>
+                <a16:creationId xmlns:a16="http://schemas.microsoft.com/office/drawing/2014/main" xmlns="" id="{DA964FF9-45F8-470D-B04E-BF9AB14CED00}"/>
               </a:ext>
             </a:extLst>
           </p:cNvPr>
@@ -5759,7 +5811,7 @@
           <p:cNvPr id="4" name="Slide Number Placeholder 3">
             <a:extLst>
               <a:ext uri="{FF2B5EF4-FFF2-40B4-BE49-F238E27FC236}">
-                <a16:creationId xmlns:a16="http://schemas.microsoft.com/office/drawing/2014/main" id="{F6E9FFCA-0CB5-4E43-8034-293AC068403F}"/>
+                <a16:creationId xmlns:a16="http://schemas.microsoft.com/office/drawing/2014/main" xmlns="" id="{F6E9FFCA-0CB5-4E43-8034-293AC068403F}"/>
               </a:ext>
             </a:extLst>
           </p:cNvPr>
@@ -5871,7 +5923,7 @@
           <p:cNvPr id="4" name="Slide Number Placeholder 3">
             <a:extLst>
               <a:ext uri="{FF2B5EF4-FFF2-40B4-BE49-F238E27FC236}">
-                <a16:creationId xmlns:a16="http://schemas.microsoft.com/office/drawing/2014/main" id="{F4255E25-AB5D-407E-93DF-4AC3580812AF}"/>
+                <a16:creationId xmlns:a16="http://schemas.microsoft.com/office/drawing/2014/main" xmlns="" id="{F4255E25-AB5D-407E-93DF-4AC3580812AF}"/>
               </a:ext>
             </a:extLst>
           </p:cNvPr>
@@ -5983,7 +6035,7 @@
           <p:cNvPr id="4" name="Slide Number Placeholder 3">
             <a:extLst>
               <a:ext uri="{FF2B5EF4-FFF2-40B4-BE49-F238E27FC236}">
-                <a16:creationId xmlns:a16="http://schemas.microsoft.com/office/drawing/2014/main" id="{3A87CF2E-CFCA-4082-B2B9-4BD45CAF8191}"/>
+                <a16:creationId xmlns:a16="http://schemas.microsoft.com/office/drawing/2014/main" xmlns="" id="{3A87CF2E-CFCA-4082-B2B9-4BD45CAF8191}"/>
               </a:ext>
             </a:extLst>
           </p:cNvPr>
@@ -6095,7 +6147,7 @@
           <p:cNvPr id="4" name="Slide Number Placeholder 3">
             <a:extLst>
               <a:ext uri="{FF2B5EF4-FFF2-40B4-BE49-F238E27FC236}">
-                <a16:creationId xmlns:a16="http://schemas.microsoft.com/office/drawing/2014/main" id="{6351992D-F772-4B3A-9956-360612395094}"/>
+                <a16:creationId xmlns:a16="http://schemas.microsoft.com/office/drawing/2014/main" xmlns="" id="{6351992D-F772-4B3A-9956-360612395094}"/>
               </a:ext>
             </a:extLst>
           </p:cNvPr>
@@ -6207,7 +6259,7 @@
           <p:cNvPr id="4" name="Slide Number Placeholder 3">
             <a:extLst>
               <a:ext uri="{FF2B5EF4-FFF2-40B4-BE49-F238E27FC236}">
-                <a16:creationId xmlns:a16="http://schemas.microsoft.com/office/drawing/2014/main" id="{63F07052-8AF6-4941-848F-3F079A8B57EE}"/>
+                <a16:creationId xmlns:a16="http://schemas.microsoft.com/office/drawing/2014/main" xmlns="" id="{63F07052-8AF6-4941-848F-3F079A8B57EE}"/>
               </a:ext>
             </a:extLst>
           </p:cNvPr>
@@ -6275,7 +6327,7 @@
           <p:cNvPr id="2" name="Title 1">
             <a:extLst>
               <a:ext uri="{FF2B5EF4-FFF2-40B4-BE49-F238E27FC236}">
-                <a16:creationId xmlns:a16="http://schemas.microsoft.com/office/drawing/2014/main" id="{4FDDDE79-84CD-4BD4-8191-64CD17F70EB2}"/>
+                <a16:creationId xmlns:a16="http://schemas.microsoft.com/office/drawing/2014/main" xmlns="" id="{4FDDDE79-84CD-4BD4-8191-64CD17F70EB2}"/>
               </a:ext>
             </a:extLst>
           </p:cNvPr>
@@ -6295,6 +6347,7 @@
               <a:rPr lang="en-US" dirty="0"/>
               <a:t>Cryptography Module</a:t>
             </a:r>
+            <a:endParaRPr lang="en-US" dirty="0"/>
           </a:p>
         </p:txBody>
       </p:sp>
@@ -6303,7 +6356,7 @@
           <p:cNvPr id="3" name="Content Placeholder 2">
             <a:extLst>
               <a:ext uri="{FF2B5EF4-FFF2-40B4-BE49-F238E27FC236}">
-                <a16:creationId xmlns:a16="http://schemas.microsoft.com/office/drawing/2014/main" id="{1E11D7D9-AFF5-4F1C-A116-5D460DCCEF0D}"/>
+                <a16:creationId xmlns:a16="http://schemas.microsoft.com/office/drawing/2014/main" xmlns="" id="{1E11D7D9-AFF5-4F1C-A116-5D460DCCEF0D}"/>
               </a:ext>
             </a:extLst>
           </p:cNvPr>
@@ -6381,7 +6434,7 @@
           <p:cNvPr id="4" name="Slide Number Placeholder 3">
             <a:extLst>
               <a:ext uri="{FF2B5EF4-FFF2-40B4-BE49-F238E27FC236}">
-                <a16:creationId xmlns:a16="http://schemas.microsoft.com/office/drawing/2014/main" id="{95BCECBD-F96D-47DA-9A6D-248B240ABC8D}"/>
+                <a16:creationId xmlns:a16="http://schemas.microsoft.com/office/drawing/2014/main" xmlns="" id="{95BCECBD-F96D-47DA-9A6D-248B240ABC8D}"/>
               </a:ext>
             </a:extLst>
           </p:cNvPr>
@@ -6493,7 +6546,7 @@
           <p:cNvPr id="4" name="Slide Number Placeholder 3">
             <a:extLst>
               <a:ext uri="{FF2B5EF4-FFF2-40B4-BE49-F238E27FC236}">
-                <a16:creationId xmlns:a16="http://schemas.microsoft.com/office/drawing/2014/main" id="{C5A868FE-A1CE-4DF8-A36C-1B41477D8E20}"/>
+                <a16:creationId xmlns:a16="http://schemas.microsoft.com/office/drawing/2014/main" xmlns="" id="{C5A868FE-A1CE-4DF8-A36C-1B41477D8E20}"/>
               </a:ext>
             </a:extLst>
           </p:cNvPr>
@@ -6605,7 +6658,7 @@
           <p:cNvPr id="4" name="Slide Number Placeholder 3">
             <a:extLst>
               <a:ext uri="{FF2B5EF4-FFF2-40B4-BE49-F238E27FC236}">
-                <a16:creationId xmlns:a16="http://schemas.microsoft.com/office/drawing/2014/main" id="{C1ACA457-BFAC-4B27-84CE-4A5FB929B08A}"/>
+                <a16:creationId xmlns:a16="http://schemas.microsoft.com/office/drawing/2014/main" xmlns="" id="{C1ACA457-BFAC-4B27-84CE-4A5FB929B08A}"/>
               </a:ext>
             </a:extLst>
           </p:cNvPr>
@@ -6717,7 +6770,7 @@
           <p:cNvPr id="4" name="Slide Number Placeholder 3">
             <a:extLst>
               <a:ext uri="{FF2B5EF4-FFF2-40B4-BE49-F238E27FC236}">
-                <a16:creationId xmlns:a16="http://schemas.microsoft.com/office/drawing/2014/main" id="{79C83344-3639-43BD-9A7E-758BE58740AA}"/>
+                <a16:creationId xmlns:a16="http://schemas.microsoft.com/office/drawing/2014/main" xmlns="" id="{79C83344-3639-43BD-9A7E-758BE58740AA}"/>
               </a:ext>
             </a:extLst>
           </p:cNvPr>
@@ -6829,7 +6882,7 @@
           <p:cNvPr id="4" name="Slide Number Placeholder 3">
             <a:extLst>
               <a:ext uri="{FF2B5EF4-FFF2-40B4-BE49-F238E27FC236}">
-                <a16:creationId xmlns:a16="http://schemas.microsoft.com/office/drawing/2014/main" id="{E30899F8-07F8-4667-921A-5637360FA3BC}"/>
+                <a16:creationId xmlns:a16="http://schemas.microsoft.com/office/drawing/2014/main" xmlns="" id="{E30899F8-07F8-4667-921A-5637360FA3BC}"/>
               </a:ext>
             </a:extLst>
           </p:cNvPr>
@@ -6941,7 +6994,7 @@
           <p:cNvPr id="4" name="Slide Number Placeholder 3">
             <a:extLst>
               <a:ext uri="{FF2B5EF4-FFF2-40B4-BE49-F238E27FC236}">
-                <a16:creationId xmlns:a16="http://schemas.microsoft.com/office/drawing/2014/main" id="{5A42A8D0-8740-4B8E-8BEB-9AA09D549BC2}"/>
+                <a16:creationId xmlns:a16="http://schemas.microsoft.com/office/drawing/2014/main" xmlns="" id="{5A42A8D0-8740-4B8E-8BEB-9AA09D549BC2}"/>
               </a:ext>
             </a:extLst>
           </p:cNvPr>
@@ -7052,7 +7105,7 @@
             </a:pPr>
             <a:r>
               <a:rPr lang="en-US" sz="2600" dirty="0"/>
-              <a:t>Recall Trusted System Design Elements </a:t>
+              <a:t>Trusted System Design Elements </a:t>
             </a:r>
           </a:p>
           <a:p>
@@ -7200,23 +7253,6 @@
               <a:t>Ease of use</a:t>
             </a:r>
           </a:p>
-          <a:p>
-            <a:pPr marL="400050" indent="-285750">
-              <a:tabLst>
-                <a:tab pos="4337050" algn="l"/>
-                <a:tab pos="4630738" algn="l"/>
-              </a:tabLst>
-            </a:pPr>
-            <a:r>
-              <a:rPr lang="en-US" sz="2600" dirty="0"/>
-              <a:t>How do they fit into the </a:t>
-            </a:r>
-            <a:r>
-              <a:rPr lang="en-US" sz="2600"/>
-              <a:t>preceding principles?</a:t>
-            </a:r>
-            <a:endParaRPr lang="en-US" sz="2600" dirty="0"/>
-          </a:p>
         </p:txBody>
       </p:sp>
       <p:sp>
@@ -7224,7 +7260,7 @@
           <p:cNvPr id="2" name="Slide Number Placeholder 1">
             <a:extLst>
               <a:ext uri="{FF2B5EF4-FFF2-40B4-BE49-F238E27FC236}">
-                <a16:creationId xmlns:a16="http://schemas.microsoft.com/office/drawing/2014/main" id="{4902F102-E3F1-4CE9-AA99-6007D183798C}"/>
+                <a16:creationId xmlns:a16="http://schemas.microsoft.com/office/drawing/2014/main" xmlns="" id="{4902F102-E3F1-4CE9-AA99-6007D183798C}"/>
               </a:ext>
             </a:extLst>
           </p:cNvPr>
@@ -7292,7 +7328,7 @@
           <p:cNvPr id="2" name="Title 1">
             <a:extLst>
               <a:ext uri="{FF2B5EF4-FFF2-40B4-BE49-F238E27FC236}">
-                <a16:creationId xmlns:a16="http://schemas.microsoft.com/office/drawing/2014/main" id="{CAE6C222-3F0F-4A1C-BE23-B74415B661D9}"/>
+                <a16:creationId xmlns:a16="http://schemas.microsoft.com/office/drawing/2014/main" xmlns="" id="{CAE6C222-3F0F-4A1C-BE23-B74415B661D9}"/>
               </a:ext>
             </a:extLst>
           </p:cNvPr>
@@ -7320,7 +7356,7 @@
           <p:cNvPr id="3" name="Content Placeholder 2">
             <a:extLst>
               <a:ext uri="{FF2B5EF4-FFF2-40B4-BE49-F238E27FC236}">
-                <a16:creationId xmlns:a16="http://schemas.microsoft.com/office/drawing/2014/main" id="{9DB7E577-64A4-4D28-A268-1127C592EEBF}"/>
+                <a16:creationId xmlns:a16="http://schemas.microsoft.com/office/drawing/2014/main" xmlns="" id="{9DB7E577-64A4-4D28-A268-1127C592EEBF}"/>
               </a:ext>
             </a:extLst>
           </p:cNvPr>
@@ -7451,7 +7487,7 @@
           <p:cNvPr id="4" name="Slide Number Placeholder 3">
             <a:extLst>
               <a:ext uri="{FF2B5EF4-FFF2-40B4-BE49-F238E27FC236}">
-                <a16:creationId xmlns:a16="http://schemas.microsoft.com/office/drawing/2014/main" id="{E3C166B4-6F90-4ED4-AFC6-89A321804508}"/>
+                <a16:creationId xmlns:a16="http://schemas.microsoft.com/office/drawing/2014/main" xmlns="" id="{E3C166B4-6F90-4ED4-AFC6-89A321804508}"/>
               </a:ext>
             </a:extLst>
           </p:cNvPr>
@@ -7519,7 +7555,7 @@
           <p:cNvPr id="11" name="Title 10">
             <a:extLst>
               <a:ext uri="{FF2B5EF4-FFF2-40B4-BE49-F238E27FC236}">
-                <a16:creationId xmlns:a16="http://schemas.microsoft.com/office/drawing/2014/main" id="{1F52A716-5142-4987-84C0-078D1007C406}"/>
+                <a16:creationId xmlns:a16="http://schemas.microsoft.com/office/drawing/2014/main" xmlns="" id="{1F52A716-5142-4987-84C0-078D1007C406}"/>
               </a:ext>
             </a:extLst>
           </p:cNvPr>
@@ -7544,7 +7580,7 @@
           <p:cNvPr id="7" name="Slide Number Placeholder 6">
             <a:extLst>
               <a:ext uri="{FF2B5EF4-FFF2-40B4-BE49-F238E27FC236}">
-                <a16:creationId xmlns:a16="http://schemas.microsoft.com/office/drawing/2014/main" id="{27B55DC7-B95B-4807-B808-1E7A81E0F45A}"/>
+                <a16:creationId xmlns:a16="http://schemas.microsoft.com/office/drawing/2014/main" xmlns="" id="{27B55DC7-B95B-4807-B808-1E7A81E0F45A}"/>
               </a:ext>
             </a:extLst>
           </p:cNvPr>
@@ -7665,7 +7701,7 @@
           <p:cNvPr id="3" name="Slide Number Placeholder 2">
             <a:extLst>
               <a:ext uri="{FF2B5EF4-FFF2-40B4-BE49-F238E27FC236}">
-                <a16:creationId xmlns:a16="http://schemas.microsoft.com/office/drawing/2014/main" id="{0B1163B0-19D9-4859-8B88-CD4B646011C3}"/>
+                <a16:creationId xmlns:a16="http://schemas.microsoft.com/office/drawing/2014/main" xmlns="" id="{0B1163B0-19D9-4859-8B88-CD4B646011C3}"/>
               </a:ext>
             </a:extLst>
           </p:cNvPr>
@@ -7728,7 +7764,7 @@
           <p:cNvPr id="2" name="Title 1">
             <a:extLst>
               <a:ext uri="{FF2B5EF4-FFF2-40B4-BE49-F238E27FC236}">
-                <a16:creationId xmlns:a16="http://schemas.microsoft.com/office/drawing/2014/main" id="{B17B7874-AA14-4EBA-9A48-BB4ACF0D88D2}"/>
+                <a16:creationId xmlns:a16="http://schemas.microsoft.com/office/drawing/2014/main" xmlns="" id="{B17B7874-AA14-4EBA-9A48-BB4ACF0D88D2}"/>
               </a:ext>
             </a:extLst>
           </p:cNvPr>
@@ -7756,7 +7792,7 @@
           <p:cNvPr id="3" name="Content Placeholder 2">
             <a:extLst>
               <a:ext uri="{FF2B5EF4-FFF2-40B4-BE49-F238E27FC236}">
-                <a16:creationId xmlns:a16="http://schemas.microsoft.com/office/drawing/2014/main" id="{D88F915D-6BAF-4A47-8E1B-D257207204F2}"/>
+                <a16:creationId xmlns:a16="http://schemas.microsoft.com/office/drawing/2014/main" xmlns="" id="{D88F915D-6BAF-4A47-8E1B-D257207204F2}"/>
               </a:ext>
             </a:extLst>
           </p:cNvPr>
@@ -7812,7 +7848,7 @@
           <p:cNvPr id="4" name="Slide Number Placeholder 3">
             <a:extLst>
               <a:ext uri="{FF2B5EF4-FFF2-40B4-BE49-F238E27FC236}">
-                <a16:creationId xmlns:a16="http://schemas.microsoft.com/office/drawing/2014/main" id="{00767AC2-8F1B-4F3D-A254-FF588B983F50}"/>
+                <a16:creationId xmlns:a16="http://schemas.microsoft.com/office/drawing/2014/main" xmlns="" id="{00767AC2-8F1B-4F3D-A254-FF588B983F50}"/>
               </a:ext>
             </a:extLst>
           </p:cNvPr>
@@ -7880,7 +7916,7 @@
           <p:cNvPr id="2" name="Title 1">
             <a:extLst>
               <a:ext uri="{FF2B5EF4-FFF2-40B4-BE49-F238E27FC236}">
-                <a16:creationId xmlns:a16="http://schemas.microsoft.com/office/drawing/2014/main" id="{EC797187-A6C8-4C11-8F99-99EA32E02854}"/>
+                <a16:creationId xmlns:a16="http://schemas.microsoft.com/office/drawing/2014/main" xmlns="" id="{EC797187-A6C8-4C11-8F99-99EA32E02854}"/>
               </a:ext>
             </a:extLst>
           </p:cNvPr>
@@ -7908,7 +7944,7 @@
           <p:cNvPr id="3" name="Content Placeholder 2">
             <a:extLst>
               <a:ext uri="{FF2B5EF4-FFF2-40B4-BE49-F238E27FC236}">
-                <a16:creationId xmlns:a16="http://schemas.microsoft.com/office/drawing/2014/main" id="{7AD99885-E26A-44E7-A9E8-CD75F1F0238D}"/>
+                <a16:creationId xmlns:a16="http://schemas.microsoft.com/office/drawing/2014/main" xmlns="" id="{7AD99885-E26A-44E7-A9E8-CD75F1F0238D}"/>
               </a:ext>
             </a:extLst>
           </p:cNvPr>
@@ -7967,7 +8003,7 @@
           <p:cNvPr id="4" name="Slide Number Placeholder 3">
             <a:extLst>
               <a:ext uri="{FF2B5EF4-FFF2-40B4-BE49-F238E27FC236}">
-                <a16:creationId xmlns:a16="http://schemas.microsoft.com/office/drawing/2014/main" id="{442FA900-ED51-4906-AAE9-F7067879A033}"/>
+                <a16:creationId xmlns:a16="http://schemas.microsoft.com/office/drawing/2014/main" xmlns="" id="{442FA900-ED51-4906-AAE9-F7067879A033}"/>
               </a:ext>
             </a:extLst>
           </p:cNvPr>
@@ -8035,7 +8071,7 @@
           <p:cNvPr id="2" name="Title 1">
             <a:extLst>
               <a:ext uri="{FF2B5EF4-FFF2-40B4-BE49-F238E27FC236}">
-                <a16:creationId xmlns:a16="http://schemas.microsoft.com/office/drawing/2014/main" id="{F7C18D59-9F7D-41B7-98B9-6CC24F900777}"/>
+                <a16:creationId xmlns:a16="http://schemas.microsoft.com/office/drawing/2014/main" xmlns="" id="{F7C18D59-9F7D-41B7-98B9-6CC24F900777}"/>
               </a:ext>
             </a:extLst>
           </p:cNvPr>
@@ -8063,7 +8099,7 @@
           <p:cNvPr id="3" name="Content Placeholder 2">
             <a:extLst>
               <a:ext uri="{FF2B5EF4-FFF2-40B4-BE49-F238E27FC236}">
-                <a16:creationId xmlns:a16="http://schemas.microsoft.com/office/drawing/2014/main" id="{F4F19C1B-78B0-4C46-A702-B9468B4AB957}"/>
+                <a16:creationId xmlns:a16="http://schemas.microsoft.com/office/drawing/2014/main" xmlns="" id="{F4F19C1B-78B0-4C46-A702-B9468B4AB957}"/>
               </a:ext>
             </a:extLst>
           </p:cNvPr>
@@ -8150,7 +8186,7 @@
           <p:cNvPr id="4" name="Slide Number Placeholder 3">
             <a:extLst>
               <a:ext uri="{FF2B5EF4-FFF2-40B4-BE49-F238E27FC236}">
-                <a16:creationId xmlns:a16="http://schemas.microsoft.com/office/drawing/2014/main" id="{C86FB146-38BF-41D5-B719-B571538B64FD}"/>
+                <a16:creationId xmlns:a16="http://schemas.microsoft.com/office/drawing/2014/main" xmlns="" id="{C86FB146-38BF-41D5-B719-B571538B64FD}"/>
               </a:ext>
             </a:extLst>
           </p:cNvPr>
@@ -8218,7 +8254,7 @@
           <p:cNvPr id="2" name="Title 1">
             <a:extLst>
               <a:ext uri="{FF2B5EF4-FFF2-40B4-BE49-F238E27FC236}">
-                <a16:creationId xmlns:a16="http://schemas.microsoft.com/office/drawing/2014/main" id="{76F433C9-632A-4FE6-B8D4-A64FD6D0A9F6}"/>
+                <a16:creationId xmlns:a16="http://schemas.microsoft.com/office/drawing/2014/main" xmlns="" id="{76F433C9-632A-4FE6-B8D4-A64FD6D0A9F6}"/>
               </a:ext>
             </a:extLst>
           </p:cNvPr>
@@ -8246,7 +8282,7 @@
           <p:cNvPr id="3" name="Content Placeholder 2">
             <a:extLst>
               <a:ext uri="{FF2B5EF4-FFF2-40B4-BE49-F238E27FC236}">
-                <a16:creationId xmlns:a16="http://schemas.microsoft.com/office/drawing/2014/main" id="{3E5C3DF1-C6AC-46DD-A748-76B532F1B7E2}"/>
+                <a16:creationId xmlns:a16="http://schemas.microsoft.com/office/drawing/2014/main" xmlns="" id="{3E5C3DF1-C6AC-46DD-A748-76B532F1B7E2}"/>
               </a:ext>
             </a:extLst>
           </p:cNvPr>
@@ -8399,7 +8435,7 @@
           <p:cNvPr id="4" name="Slide Number Placeholder 3">
             <a:extLst>
               <a:ext uri="{FF2B5EF4-FFF2-40B4-BE49-F238E27FC236}">
-                <a16:creationId xmlns:a16="http://schemas.microsoft.com/office/drawing/2014/main" id="{756DEE62-5FD9-4A8B-830B-A2AD9E9E7D22}"/>
+                <a16:creationId xmlns:a16="http://schemas.microsoft.com/office/drawing/2014/main" xmlns="" id="{756DEE62-5FD9-4A8B-830B-A2AD9E9E7D22}"/>
               </a:ext>
             </a:extLst>
           </p:cNvPr>
@@ -8467,7 +8503,7 @@
           <p:cNvPr id="2" name="Title 1">
             <a:extLst>
               <a:ext uri="{FF2B5EF4-FFF2-40B4-BE49-F238E27FC236}">
-                <a16:creationId xmlns:a16="http://schemas.microsoft.com/office/drawing/2014/main" id="{40A2375F-5603-4490-AF60-FA20D74C7B74}"/>
+                <a16:creationId xmlns:a16="http://schemas.microsoft.com/office/drawing/2014/main" xmlns="" id="{40A2375F-5603-4490-AF60-FA20D74C7B74}"/>
               </a:ext>
             </a:extLst>
           </p:cNvPr>
@@ -8495,7 +8531,7 @@
           <p:cNvPr id="23" name="Content Placeholder 22">
             <a:extLst>
               <a:ext uri="{FF2B5EF4-FFF2-40B4-BE49-F238E27FC236}">
-                <a16:creationId xmlns:a16="http://schemas.microsoft.com/office/drawing/2014/main" id="{26FB1D9B-F9A6-41AE-B99D-538AB55B15DF}"/>
+                <a16:creationId xmlns:a16="http://schemas.microsoft.com/office/drawing/2014/main" xmlns="" id="{26FB1D9B-F9A6-41AE-B99D-538AB55B15DF}"/>
               </a:ext>
             </a:extLst>
           </p:cNvPr>
@@ -8692,7 +8728,7 @@
           <p:cNvPr id="4" name="Slide Number Placeholder 3">
             <a:extLst>
               <a:ext uri="{FF2B5EF4-FFF2-40B4-BE49-F238E27FC236}">
-                <a16:creationId xmlns:a16="http://schemas.microsoft.com/office/drawing/2014/main" id="{8E28BFCF-9CF4-4C7F-8310-60ECE984C420}"/>
+                <a16:creationId xmlns:a16="http://schemas.microsoft.com/office/drawing/2014/main" xmlns="" id="{8E28BFCF-9CF4-4C7F-8310-60ECE984C420}"/>
               </a:ext>
             </a:extLst>
           </p:cNvPr>
@@ -8760,7 +8796,7 @@
           <p:cNvPr id="2" name="Title 1">
             <a:extLst>
               <a:ext uri="{FF2B5EF4-FFF2-40B4-BE49-F238E27FC236}">
-                <a16:creationId xmlns:a16="http://schemas.microsoft.com/office/drawing/2014/main" id="{A9F630B4-AB00-4B4E-9988-9BDEBA9B9080}"/>
+                <a16:creationId xmlns:a16="http://schemas.microsoft.com/office/drawing/2014/main" xmlns="" id="{A9F630B4-AB00-4B4E-9988-9BDEBA9B9080}"/>
               </a:ext>
             </a:extLst>
           </p:cNvPr>
@@ -8788,7 +8824,7 @@
           <p:cNvPr id="3" name="Content Placeholder 2">
             <a:extLst>
               <a:ext uri="{FF2B5EF4-FFF2-40B4-BE49-F238E27FC236}">
-                <a16:creationId xmlns:a16="http://schemas.microsoft.com/office/drawing/2014/main" id="{ABC25177-9CDA-4FDE-BFDE-0413B676F8C0}"/>
+                <a16:creationId xmlns:a16="http://schemas.microsoft.com/office/drawing/2014/main" xmlns="" id="{ABC25177-9CDA-4FDE-BFDE-0413B676F8C0}"/>
               </a:ext>
             </a:extLst>
           </p:cNvPr>
@@ -8881,7 +8917,7 @@
           <p:cNvPr id="4" name="Slide Number Placeholder 3">
             <a:extLst>
               <a:ext uri="{FF2B5EF4-FFF2-40B4-BE49-F238E27FC236}">
-                <a16:creationId xmlns:a16="http://schemas.microsoft.com/office/drawing/2014/main" id="{E3B1DF8D-27FE-457D-BD96-6DF217655752}"/>
+                <a16:creationId xmlns:a16="http://schemas.microsoft.com/office/drawing/2014/main" xmlns="" id="{E3B1DF8D-27FE-457D-BD96-6DF217655752}"/>
               </a:ext>
             </a:extLst>
           </p:cNvPr>

--- a/Network-Security/Module_2 Cryptography/Lesson_4_PrudentEngineering.pptx
+++ b/Network-Security/Module_2 Cryptography/Lesson_4_PrudentEngineering.pptx
@@ -34,7 +34,7 @@
     <p:sldId id="354" r:id="rId25"/>
     <p:sldId id="355" r:id="rId26"/>
     <p:sldId id="356" r:id="rId27"/>
-    <p:sldId id="333" r:id="rId28"/>
+    <p:sldId id="360" r:id="rId28"/>
   </p:sldIdLst>
   <p:sldSz cx="9144000" cy="6858000" type="screen4x3"/>
   <p:notesSz cx="7315200" cy="9601200"/>
@@ -294,7 +294,7 @@
               <a:pPr>
                 <a:defRPr/>
               </a:pPr>
-              <a:t>4/21/18</a:t>
+              <a:t>4/24/18</a:t>
             </a:fld>
             <a:endParaRPr lang="en-US"/>
           </a:p>
@@ -1429,7 +1429,7 @@
     </p:spTree>
     <p:extLst>
       <p:ext uri="{BB962C8B-B14F-4D97-AF65-F5344CB8AC3E}">
-        <p14:creationId xmlns:p14="http://schemas.microsoft.com/office/powerpoint/2010/main" val="2433617412"/>
+        <p14:creationId xmlns:p14="http://schemas.microsoft.com/office/powerpoint/2010/main" val="420413937"/>
       </p:ext>
     </p:extLst>
   </p:cSld>
@@ -3393,7 +3393,7 @@
           <p:cNvPr id="2" name="Title 1">
             <a:extLst>
               <a:ext uri="{FF2B5EF4-FFF2-40B4-BE49-F238E27FC236}">
-                <a16:creationId xmlns:a16="http://schemas.microsoft.com/office/drawing/2014/main" xmlns="" id="{5C287DE2-E1A2-4F41-96FE-94AF4425CB03}"/>
+                <a16:creationId xmlns="" xmlns:a16="http://schemas.microsoft.com/office/drawing/2014/main" id="{5C287DE2-E1A2-4F41-96FE-94AF4425CB03}"/>
               </a:ext>
             </a:extLst>
           </p:cNvPr>
@@ -3539,7 +3539,7 @@
           <p:cNvPr id="3" name="Slide Number Placeholder 2">
             <a:extLst>
               <a:ext uri="{FF2B5EF4-FFF2-40B4-BE49-F238E27FC236}">
-                <a16:creationId xmlns:a16="http://schemas.microsoft.com/office/drawing/2014/main" xmlns="" id="{7D2FFADE-E1BC-48C1-83AA-6DDDD39A33C4}"/>
+                <a16:creationId xmlns="" xmlns:a16="http://schemas.microsoft.com/office/drawing/2014/main" id="{7D2FFADE-E1BC-48C1-83AA-6DDDD39A33C4}"/>
               </a:ext>
             </a:extLst>
           </p:cNvPr>
@@ -3574,7 +3574,7 @@
           <p:cNvPr id="9" name="Picture 8">
             <a:extLst>
               <a:ext uri="{FF2B5EF4-FFF2-40B4-BE49-F238E27FC236}">
-                <a16:creationId xmlns:a16="http://schemas.microsoft.com/office/drawing/2014/main" xmlns="" id="{9CBFC76A-A606-42CF-BCDF-C73975C150B9}"/>
+                <a16:creationId xmlns="" xmlns:a16="http://schemas.microsoft.com/office/drawing/2014/main" id="{9CBFC76A-A606-42CF-BCDF-C73975C150B9}"/>
               </a:ext>
             </a:extLst>
           </p:cNvPr>
@@ -4636,7 +4636,7 @@
           <p:cNvPr id="2" name="Title 1">
             <a:extLst>
               <a:ext uri="{FF2B5EF4-FFF2-40B4-BE49-F238E27FC236}">
-                <a16:creationId xmlns:a16="http://schemas.microsoft.com/office/drawing/2014/main" xmlns="" id="{7FED572C-2F21-4588-AAB8-A3CB52A86770}"/>
+                <a16:creationId xmlns="" xmlns:a16="http://schemas.microsoft.com/office/drawing/2014/main" id="{7FED572C-2F21-4588-AAB8-A3CB52A86770}"/>
               </a:ext>
             </a:extLst>
           </p:cNvPr>
@@ -4664,7 +4664,7 @@
           <p:cNvPr id="3" name="Content Placeholder 2">
             <a:extLst>
               <a:ext uri="{FF2B5EF4-FFF2-40B4-BE49-F238E27FC236}">
-                <a16:creationId xmlns:a16="http://schemas.microsoft.com/office/drawing/2014/main" xmlns="" id="{D0740C6A-14C3-4051-BE51-24C4CA63CE30}"/>
+                <a16:creationId xmlns="" xmlns:a16="http://schemas.microsoft.com/office/drawing/2014/main" id="{D0740C6A-14C3-4051-BE51-24C4CA63CE30}"/>
               </a:ext>
             </a:extLst>
           </p:cNvPr>
@@ -4866,7 +4866,7 @@
           <p:cNvPr id="4" name="Slide Number Placeholder 3">
             <a:extLst>
               <a:ext uri="{FF2B5EF4-FFF2-40B4-BE49-F238E27FC236}">
-                <a16:creationId xmlns:a16="http://schemas.microsoft.com/office/drawing/2014/main" xmlns="" id="{DD9B5BAE-C874-4548-B248-9054C11AC91D}"/>
+                <a16:creationId xmlns="" xmlns:a16="http://schemas.microsoft.com/office/drawing/2014/main" id="{DD9B5BAE-C874-4548-B248-9054C11AC91D}"/>
               </a:ext>
             </a:extLst>
           </p:cNvPr>
@@ -4934,7 +4934,7 @@
           <p:cNvPr id="2" name="Title 1">
             <a:extLst>
               <a:ext uri="{FF2B5EF4-FFF2-40B4-BE49-F238E27FC236}">
-                <a16:creationId xmlns:a16="http://schemas.microsoft.com/office/drawing/2014/main" xmlns="" id="{8812C18B-8331-41B4-BC6F-0057B47035D3}"/>
+                <a16:creationId xmlns="" xmlns:a16="http://schemas.microsoft.com/office/drawing/2014/main" id="{8812C18B-8331-41B4-BC6F-0057B47035D3}"/>
               </a:ext>
             </a:extLst>
           </p:cNvPr>
@@ -4963,7 +4963,7 @@
           <p:cNvPr id="3" name="Content Placeholder 2">
             <a:extLst>
               <a:ext uri="{FF2B5EF4-FFF2-40B4-BE49-F238E27FC236}">
-                <a16:creationId xmlns:a16="http://schemas.microsoft.com/office/drawing/2014/main" xmlns="" id="{95ACF869-10A4-45FF-8FC4-8E6ADC5ED1EC}"/>
+                <a16:creationId xmlns="" xmlns:a16="http://schemas.microsoft.com/office/drawing/2014/main" id="{95ACF869-10A4-45FF-8FC4-8E6ADC5ED1EC}"/>
               </a:ext>
             </a:extLst>
           </p:cNvPr>
@@ -5047,7 +5047,7 @@
           <p:cNvPr id="4" name="Slide Number Placeholder 3">
             <a:extLst>
               <a:ext uri="{FF2B5EF4-FFF2-40B4-BE49-F238E27FC236}">
-                <a16:creationId xmlns:a16="http://schemas.microsoft.com/office/drawing/2014/main" xmlns="" id="{855947FE-A955-4A42-8B8B-F96B9584505D}"/>
+                <a16:creationId xmlns="" xmlns:a16="http://schemas.microsoft.com/office/drawing/2014/main" id="{855947FE-A955-4A42-8B8B-F96B9584505D}"/>
               </a:ext>
             </a:extLst>
           </p:cNvPr>
@@ -5110,7 +5110,7 @@
           <p:cNvPr id="2" name="Title 1">
             <a:extLst>
               <a:ext uri="{FF2B5EF4-FFF2-40B4-BE49-F238E27FC236}">
-                <a16:creationId xmlns:a16="http://schemas.microsoft.com/office/drawing/2014/main" xmlns="" id="{66026567-2EA9-481A-AF4A-BD512E53F736}"/>
+                <a16:creationId xmlns="" xmlns:a16="http://schemas.microsoft.com/office/drawing/2014/main" id="{66026567-2EA9-481A-AF4A-BD512E53F736}"/>
               </a:ext>
             </a:extLst>
           </p:cNvPr>
@@ -5143,7 +5143,7 @@
           <p:cNvPr id="3" name="Content Placeholder 2">
             <a:extLst>
               <a:ext uri="{FF2B5EF4-FFF2-40B4-BE49-F238E27FC236}">
-                <a16:creationId xmlns:a16="http://schemas.microsoft.com/office/drawing/2014/main" xmlns="" id="{EEAEBE1B-24E3-4472-88AC-82B5D241C478}"/>
+                <a16:creationId xmlns="" xmlns:a16="http://schemas.microsoft.com/office/drawing/2014/main" id="{EEAEBE1B-24E3-4472-88AC-82B5D241C478}"/>
               </a:ext>
             </a:extLst>
           </p:cNvPr>
@@ -5376,7 +5376,7 @@
           <p:cNvPr id="4" name="Slide Number Placeholder 3">
             <a:extLst>
               <a:ext uri="{FF2B5EF4-FFF2-40B4-BE49-F238E27FC236}">
-                <a16:creationId xmlns:a16="http://schemas.microsoft.com/office/drawing/2014/main" xmlns="" id="{34B9BC4B-05F3-4F0C-A005-6363A5FB6616}"/>
+                <a16:creationId xmlns="" xmlns:a16="http://schemas.microsoft.com/office/drawing/2014/main" id="{34B9BC4B-05F3-4F0C-A005-6363A5FB6616}"/>
               </a:ext>
             </a:extLst>
           </p:cNvPr>
@@ -5411,7 +5411,7 @@
           <p:cNvPr id="6" name="Connector: Curved 5">
             <a:extLst>
               <a:ext uri="{FF2B5EF4-FFF2-40B4-BE49-F238E27FC236}">
-                <a16:creationId xmlns:a16="http://schemas.microsoft.com/office/drawing/2014/main" xmlns="" id="{7952C64E-9017-4AE7-9B31-E7A061FE3339}"/>
+                <a16:creationId xmlns="" xmlns:a16="http://schemas.microsoft.com/office/drawing/2014/main" id="{7952C64E-9017-4AE7-9B31-E7A061FE3339}"/>
               </a:ext>
             </a:extLst>
           </p:cNvPr>
@@ -5487,7 +5487,7 @@
           <p:cNvPr id="2" name="Title 1">
             <a:extLst>
               <a:ext uri="{FF2B5EF4-FFF2-40B4-BE49-F238E27FC236}">
-                <a16:creationId xmlns:a16="http://schemas.microsoft.com/office/drawing/2014/main" xmlns="" id="{65DD17AA-49E5-4354-9B0F-464E2EBE27C8}"/>
+                <a16:creationId xmlns="" xmlns:a16="http://schemas.microsoft.com/office/drawing/2014/main" id="{65DD17AA-49E5-4354-9B0F-464E2EBE27C8}"/>
               </a:ext>
             </a:extLst>
           </p:cNvPr>
@@ -5515,7 +5515,7 @@
           <p:cNvPr id="3" name="Content Placeholder 2">
             <a:extLst>
               <a:ext uri="{FF2B5EF4-FFF2-40B4-BE49-F238E27FC236}">
-                <a16:creationId xmlns:a16="http://schemas.microsoft.com/office/drawing/2014/main" xmlns="" id="{D27BDD29-9B0E-402C-805F-D06FF59AB037}"/>
+                <a16:creationId xmlns="" xmlns:a16="http://schemas.microsoft.com/office/drawing/2014/main" id="{D27BDD29-9B0E-402C-805F-D06FF59AB037}"/>
               </a:ext>
             </a:extLst>
           </p:cNvPr>
@@ -5587,7 +5587,7 @@
           <p:cNvPr id="4" name="Slide Number Placeholder 3">
             <a:extLst>
               <a:ext uri="{FF2B5EF4-FFF2-40B4-BE49-F238E27FC236}">
-                <a16:creationId xmlns:a16="http://schemas.microsoft.com/office/drawing/2014/main" xmlns="" id="{6C3898B7-DB42-4A8D-A776-1811FFF1F152}"/>
+                <a16:creationId xmlns="" xmlns:a16="http://schemas.microsoft.com/office/drawing/2014/main" id="{6C3898B7-DB42-4A8D-A776-1811FFF1F152}"/>
               </a:ext>
             </a:extLst>
           </p:cNvPr>
@@ -5699,7 +5699,7 @@
           <p:cNvPr id="4" name="Slide Number Placeholder 3">
             <a:extLst>
               <a:ext uri="{FF2B5EF4-FFF2-40B4-BE49-F238E27FC236}">
-                <a16:creationId xmlns:a16="http://schemas.microsoft.com/office/drawing/2014/main" xmlns="" id="{DA964FF9-45F8-470D-B04E-BF9AB14CED00}"/>
+                <a16:creationId xmlns="" xmlns:a16="http://schemas.microsoft.com/office/drawing/2014/main" id="{DA964FF9-45F8-470D-B04E-BF9AB14CED00}"/>
               </a:ext>
             </a:extLst>
           </p:cNvPr>
@@ -5811,7 +5811,7 @@
           <p:cNvPr id="4" name="Slide Number Placeholder 3">
             <a:extLst>
               <a:ext uri="{FF2B5EF4-FFF2-40B4-BE49-F238E27FC236}">
-                <a16:creationId xmlns:a16="http://schemas.microsoft.com/office/drawing/2014/main" xmlns="" id="{F6E9FFCA-0CB5-4E43-8034-293AC068403F}"/>
+                <a16:creationId xmlns="" xmlns:a16="http://schemas.microsoft.com/office/drawing/2014/main" id="{F6E9FFCA-0CB5-4E43-8034-293AC068403F}"/>
               </a:ext>
             </a:extLst>
           </p:cNvPr>
@@ -5923,7 +5923,7 @@
           <p:cNvPr id="4" name="Slide Number Placeholder 3">
             <a:extLst>
               <a:ext uri="{FF2B5EF4-FFF2-40B4-BE49-F238E27FC236}">
-                <a16:creationId xmlns:a16="http://schemas.microsoft.com/office/drawing/2014/main" xmlns="" id="{F4255E25-AB5D-407E-93DF-4AC3580812AF}"/>
+                <a16:creationId xmlns="" xmlns:a16="http://schemas.microsoft.com/office/drawing/2014/main" id="{F4255E25-AB5D-407E-93DF-4AC3580812AF}"/>
               </a:ext>
             </a:extLst>
           </p:cNvPr>
@@ -6035,7 +6035,7 @@
           <p:cNvPr id="4" name="Slide Number Placeholder 3">
             <a:extLst>
               <a:ext uri="{FF2B5EF4-FFF2-40B4-BE49-F238E27FC236}">
-                <a16:creationId xmlns:a16="http://schemas.microsoft.com/office/drawing/2014/main" xmlns="" id="{3A87CF2E-CFCA-4082-B2B9-4BD45CAF8191}"/>
+                <a16:creationId xmlns="" xmlns:a16="http://schemas.microsoft.com/office/drawing/2014/main" id="{3A87CF2E-CFCA-4082-B2B9-4BD45CAF8191}"/>
               </a:ext>
             </a:extLst>
           </p:cNvPr>
@@ -6147,7 +6147,7 @@
           <p:cNvPr id="4" name="Slide Number Placeholder 3">
             <a:extLst>
               <a:ext uri="{FF2B5EF4-FFF2-40B4-BE49-F238E27FC236}">
-                <a16:creationId xmlns:a16="http://schemas.microsoft.com/office/drawing/2014/main" xmlns="" id="{6351992D-F772-4B3A-9956-360612395094}"/>
+                <a16:creationId xmlns="" xmlns:a16="http://schemas.microsoft.com/office/drawing/2014/main" id="{6351992D-F772-4B3A-9956-360612395094}"/>
               </a:ext>
             </a:extLst>
           </p:cNvPr>
@@ -6259,7 +6259,7 @@
           <p:cNvPr id="4" name="Slide Number Placeholder 3">
             <a:extLst>
               <a:ext uri="{FF2B5EF4-FFF2-40B4-BE49-F238E27FC236}">
-                <a16:creationId xmlns:a16="http://schemas.microsoft.com/office/drawing/2014/main" xmlns="" id="{63F07052-8AF6-4941-848F-3F079A8B57EE}"/>
+                <a16:creationId xmlns="" xmlns:a16="http://schemas.microsoft.com/office/drawing/2014/main" id="{63F07052-8AF6-4941-848F-3F079A8B57EE}"/>
               </a:ext>
             </a:extLst>
           </p:cNvPr>
@@ -6327,7 +6327,7 @@
           <p:cNvPr id="2" name="Title 1">
             <a:extLst>
               <a:ext uri="{FF2B5EF4-FFF2-40B4-BE49-F238E27FC236}">
-                <a16:creationId xmlns:a16="http://schemas.microsoft.com/office/drawing/2014/main" xmlns="" id="{4FDDDE79-84CD-4BD4-8191-64CD17F70EB2}"/>
+                <a16:creationId xmlns="" xmlns:a16="http://schemas.microsoft.com/office/drawing/2014/main" id="{4FDDDE79-84CD-4BD4-8191-64CD17F70EB2}"/>
               </a:ext>
             </a:extLst>
           </p:cNvPr>
@@ -6347,7 +6347,6 @@
               <a:rPr lang="en-US" dirty="0"/>
               <a:t>Cryptography Module</a:t>
             </a:r>
-            <a:endParaRPr lang="en-US" dirty="0"/>
           </a:p>
         </p:txBody>
       </p:sp>
@@ -6356,7 +6355,7 @@
           <p:cNvPr id="3" name="Content Placeholder 2">
             <a:extLst>
               <a:ext uri="{FF2B5EF4-FFF2-40B4-BE49-F238E27FC236}">
-                <a16:creationId xmlns:a16="http://schemas.microsoft.com/office/drawing/2014/main" xmlns="" id="{1E11D7D9-AFF5-4F1C-A116-5D460DCCEF0D}"/>
+                <a16:creationId xmlns="" xmlns:a16="http://schemas.microsoft.com/office/drawing/2014/main" id="{1E11D7D9-AFF5-4F1C-A116-5D460DCCEF0D}"/>
               </a:ext>
             </a:extLst>
           </p:cNvPr>
@@ -6434,7 +6433,7 @@
           <p:cNvPr id="4" name="Slide Number Placeholder 3">
             <a:extLst>
               <a:ext uri="{FF2B5EF4-FFF2-40B4-BE49-F238E27FC236}">
-                <a16:creationId xmlns:a16="http://schemas.microsoft.com/office/drawing/2014/main" xmlns="" id="{95BCECBD-F96D-47DA-9A6D-248B240ABC8D}"/>
+                <a16:creationId xmlns="" xmlns:a16="http://schemas.microsoft.com/office/drawing/2014/main" id="{95BCECBD-F96D-47DA-9A6D-248B240ABC8D}"/>
               </a:ext>
             </a:extLst>
           </p:cNvPr>
@@ -6546,7 +6545,7 @@
           <p:cNvPr id="4" name="Slide Number Placeholder 3">
             <a:extLst>
               <a:ext uri="{FF2B5EF4-FFF2-40B4-BE49-F238E27FC236}">
-                <a16:creationId xmlns:a16="http://schemas.microsoft.com/office/drawing/2014/main" xmlns="" id="{C5A868FE-A1CE-4DF8-A36C-1B41477D8E20}"/>
+                <a16:creationId xmlns="" xmlns:a16="http://schemas.microsoft.com/office/drawing/2014/main" id="{C5A868FE-A1CE-4DF8-A36C-1B41477D8E20}"/>
               </a:ext>
             </a:extLst>
           </p:cNvPr>
@@ -6658,7 +6657,7 @@
           <p:cNvPr id="4" name="Slide Number Placeholder 3">
             <a:extLst>
               <a:ext uri="{FF2B5EF4-FFF2-40B4-BE49-F238E27FC236}">
-                <a16:creationId xmlns:a16="http://schemas.microsoft.com/office/drawing/2014/main" xmlns="" id="{C1ACA457-BFAC-4B27-84CE-4A5FB929B08A}"/>
+                <a16:creationId xmlns="" xmlns:a16="http://schemas.microsoft.com/office/drawing/2014/main" id="{C1ACA457-BFAC-4B27-84CE-4A5FB929B08A}"/>
               </a:ext>
             </a:extLst>
           </p:cNvPr>
@@ -6770,7 +6769,7 @@
           <p:cNvPr id="4" name="Slide Number Placeholder 3">
             <a:extLst>
               <a:ext uri="{FF2B5EF4-FFF2-40B4-BE49-F238E27FC236}">
-                <a16:creationId xmlns:a16="http://schemas.microsoft.com/office/drawing/2014/main" xmlns="" id="{79C83344-3639-43BD-9A7E-758BE58740AA}"/>
+                <a16:creationId xmlns="" xmlns:a16="http://schemas.microsoft.com/office/drawing/2014/main" id="{79C83344-3639-43BD-9A7E-758BE58740AA}"/>
               </a:ext>
             </a:extLst>
           </p:cNvPr>
@@ -6882,7 +6881,7 @@
           <p:cNvPr id="4" name="Slide Number Placeholder 3">
             <a:extLst>
               <a:ext uri="{FF2B5EF4-FFF2-40B4-BE49-F238E27FC236}">
-                <a16:creationId xmlns:a16="http://schemas.microsoft.com/office/drawing/2014/main" xmlns="" id="{E30899F8-07F8-4667-921A-5637360FA3BC}"/>
+                <a16:creationId xmlns="" xmlns:a16="http://schemas.microsoft.com/office/drawing/2014/main" id="{E30899F8-07F8-4667-921A-5637360FA3BC}"/>
               </a:ext>
             </a:extLst>
           </p:cNvPr>
@@ -6994,7 +6993,7 @@
           <p:cNvPr id="4" name="Slide Number Placeholder 3">
             <a:extLst>
               <a:ext uri="{FF2B5EF4-FFF2-40B4-BE49-F238E27FC236}">
-                <a16:creationId xmlns:a16="http://schemas.microsoft.com/office/drawing/2014/main" xmlns="" id="{5A42A8D0-8740-4B8E-8BEB-9AA09D549BC2}"/>
+                <a16:creationId xmlns="" xmlns:a16="http://schemas.microsoft.com/office/drawing/2014/main" id="{5A42A8D0-8740-4B8E-8BEB-9AA09D549BC2}"/>
               </a:ext>
             </a:extLst>
           </p:cNvPr>
@@ -7260,7 +7259,7 @@
           <p:cNvPr id="2" name="Slide Number Placeholder 1">
             <a:extLst>
               <a:ext uri="{FF2B5EF4-FFF2-40B4-BE49-F238E27FC236}">
-                <a16:creationId xmlns:a16="http://schemas.microsoft.com/office/drawing/2014/main" xmlns="" id="{4902F102-E3F1-4CE9-AA99-6007D183798C}"/>
+                <a16:creationId xmlns="" xmlns:a16="http://schemas.microsoft.com/office/drawing/2014/main" id="{4902F102-E3F1-4CE9-AA99-6007D183798C}"/>
               </a:ext>
             </a:extLst>
           </p:cNvPr>
@@ -7328,7 +7327,7 @@
           <p:cNvPr id="2" name="Title 1">
             <a:extLst>
               <a:ext uri="{FF2B5EF4-FFF2-40B4-BE49-F238E27FC236}">
-                <a16:creationId xmlns:a16="http://schemas.microsoft.com/office/drawing/2014/main" xmlns="" id="{CAE6C222-3F0F-4A1C-BE23-B74415B661D9}"/>
+                <a16:creationId xmlns="" xmlns:a16="http://schemas.microsoft.com/office/drawing/2014/main" id="{CAE6C222-3F0F-4A1C-BE23-B74415B661D9}"/>
               </a:ext>
             </a:extLst>
           </p:cNvPr>
@@ -7356,7 +7355,7 @@
           <p:cNvPr id="3" name="Content Placeholder 2">
             <a:extLst>
               <a:ext uri="{FF2B5EF4-FFF2-40B4-BE49-F238E27FC236}">
-                <a16:creationId xmlns:a16="http://schemas.microsoft.com/office/drawing/2014/main" xmlns="" id="{9DB7E577-64A4-4D28-A268-1127C592EEBF}"/>
+                <a16:creationId xmlns="" xmlns:a16="http://schemas.microsoft.com/office/drawing/2014/main" id="{9DB7E577-64A4-4D28-A268-1127C592EEBF}"/>
               </a:ext>
             </a:extLst>
           </p:cNvPr>
@@ -7487,7 +7486,7 @@
           <p:cNvPr id="4" name="Slide Number Placeholder 3">
             <a:extLst>
               <a:ext uri="{FF2B5EF4-FFF2-40B4-BE49-F238E27FC236}">
-                <a16:creationId xmlns:a16="http://schemas.microsoft.com/office/drawing/2014/main" xmlns="" id="{E3C166B4-6F90-4ED4-AFC6-89A321804508}"/>
+                <a16:creationId xmlns="" xmlns:a16="http://schemas.microsoft.com/office/drawing/2014/main" id="{E3C166B4-6F90-4ED4-AFC6-89A321804508}"/>
               </a:ext>
             </a:extLst>
           </p:cNvPr>
@@ -7552,35 +7551,10 @@
       </p:grpSpPr>
       <p:sp>
         <p:nvSpPr>
-          <p:cNvPr id="11" name="Title 10">
-            <a:extLst>
-              <a:ext uri="{FF2B5EF4-FFF2-40B4-BE49-F238E27FC236}">
-                <a16:creationId xmlns:a16="http://schemas.microsoft.com/office/drawing/2014/main" xmlns="" id="{1F52A716-5142-4987-84C0-078D1007C406}"/>
-              </a:ext>
-            </a:extLst>
-          </p:cNvPr>
-          <p:cNvSpPr>
-            <a:spLocks noGrp="1"/>
-          </p:cNvSpPr>
-          <p:nvPr>
-            <p:ph type="title"/>
-          </p:nvPr>
-        </p:nvSpPr>
-        <p:spPr/>
-        <p:txBody>
-          <a:bodyPr/>
-          <a:lstStyle/>
-          <a:p>
-            <a:endParaRPr lang="en-US" dirty="0"/>
-          </a:p>
-        </p:txBody>
-      </p:sp>
-      <p:sp>
-        <p:nvSpPr>
           <p:cNvPr id="7" name="Slide Number Placeholder 6">
             <a:extLst>
               <a:ext uri="{FF2B5EF4-FFF2-40B4-BE49-F238E27FC236}">
-                <a16:creationId xmlns:a16="http://schemas.microsoft.com/office/drawing/2014/main" xmlns="" id="{27B55DC7-B95B-4807-B808-1E7A81E0F45A}"/>
+                <a16:creationId xmlns="" xmlns:a16="http://schemas.microsoft.com/office/drawing/2014/main" id="{27B55DC7-B95B-4807-B808-1E7A81E0F45A}"/>
               </a:ext>
             </a:extLst>
           </p:cNvPr>
@@ -7605,13 +7579,333 @@
           </a:p>
         </p:txBody>
       </p:sp>
+      <p:sp>
+        <p:nvSpPr>
+          <p:cNvPr id="19" name="Text Placeholder 7">
+            <a:extLst>
+              <a:ext uri="{FF2B5EF4-FFF2-40B4-BE49-F238E27FC236}">
+                <a16:creationId xmlns="" xmlns:a16="http://schemas.microsoft.com/office/drawing/2014/main" id="{2785A2B3-FCF4-4D59-9841-12917D91B27A}"/>
+              </a:ext>
+            </a:extLst>
+          </p:cNvPr>
+          <p:cNvSpPr txBox="1">
+            <a:spLocks/>
+          </p:cNvSpPr>
+          <p:nvPr/>
+        </p:nvSpPr>
+        <p:spPr>
+          <a:xfrm>
+            <a:off x="725683" y="871606"/>
+            <a:ext cx="7893050" cy="5114787"/>
+          </a:xfrm>
+          <a:prstGeom prst="rect">
+            <a:avLst/>
+          </a:prstGeom>
+        </p:spPr>
+        <p:txBody>
+          <a:bodyPr/>
+          <a:lstStyle>
+            <a:lvl1pPr marL="0" indent="0" algn="ctr" defTabSz="685800" rtl="0" eaLnBrk="0" fontAlgn="base" hangingPunct="0">
+              <a:lnSpc>
+                <a:spcPct val="90000"/>
+              </a:lnSpc>
+              <a:spcBef>
+                <a:spcPts val="750"/>
+              </a:spcBef>
+              <a:spcAft>
+                <a:spcPct val="0"/>
+              </a:spcAft>
+              <a:buFont typeface="Arial" charset="0"/>
+              <a:buNone/>
+              <a:defRPr sz="1800" kern="1200">
+                <a:solidFill>
+                  <a:schemeClr val="tx1"/>
+                </a:solidFill>
+                <a:latin typeface="+mn-lt"/>
+                <a:ea typeface="+mn-ea"/>
+                <a:cs typeface="+mn-cs"/>
+              </a:defRPr>
+            </a:lvl1pPr>
+            <a:lvl2pPr marL="514350" indent="-171450" algn="l" defTabSz="685800" rtl="0" eaLnBrk="0" fontAlgn="base" hangingPunct="0">
+              <a:lnSpc>
+                <a:spcPct val="90000"/>
+              </a:lnSpc>
+              <a:spcBef>
+                <a:spcPts val="375"/>
+              </a:spcBef>
+              <a:spcAft>
+                <a:spcPct val="0"/>
+              </a:spcAft>
+              <a:buFont typeface="Arial" charset="0"/>
+              <a:buChar char="•"/>
+              <a:defRPr sz="2400" kern="1200">
+                <a:solidFill>
+                  <a:schemeClr val="tx1"/>
+                </a:solidFill>
+                <a:latin typeface="+mn-lt"/>
+                <a:ea typeface="+mn-ea"/>
+                <a:cs typeface="+mn-cs"/>
+              </a:defRPr>
+            </a:lvl2pPr>
+            <a:lvl3pPr marL="857250" indent="-171450" algn="l" defTabSz="685800" rtl="0" eaLnBrk="0" fontAlgn="base" hangingPunct="0">
+              <a:lnSpc>
+                <a:spcPct val="90000"/>
+              </a:lnSpc>
+              <a:spcBef>
+                <a:spcPts val="375"/>
+              </a:spcBef>
+              <a:spcAft>
+                <a:spcPct val="0"/>
+              </a:spcAft>
+              <a:buFont typeface="Arial" charset="0"/>
+              <a:buChar char="•"/>
+              <a:defRPr sz="1800" kern="1200">
+                <a:solidFill>
+                  <a:schemeClr val="tx1"/>
+                </a:solidFill>
+                <a:latin typeface="+mn-lt"/>
+                <a:ea typeface="+mn-ea"/>
+                <a:cs typeface="+mn-cs"/>
+              </a:defRPr>
+            </a:lvl3pPr>
+            <a:lvl4pPr marL="1200150" indent="-171450" algn="l" defTabSz="685800" rtl="0" eaLnBrk="0" fontAlgn="base" hangingPunct="0">
+              <a:lnSpc>
+                <a:spcPct val="90000"/>
+              </a:lnSpc>
+              <a:spcBef>
+                <a:spcPts val="375"/>
+              </a:spcBef>
+              <a:spcAft>
+                <a:spcPct val="0"/>
+              </a:spcAft>
+              <a:buFont typeface="Arial" charset="0"/>
+              <a:buChar char="•"/>
+              <a:defRPr sz="1600" kern="1200">
+                <a:solidFill>
+                  <a:schemeClr val="tx1"/>
+                </a:solidFill>
+                <a:latin typeface="+mn-lt"/>
+                <a:ea typeface="+mn-ea"/>
+                <a:cs typeface="+mn-cs"/>
+              </a:defRPr>
+            </a:lvl4pPr>
+            <a:lvl5pPr marL="1543050" indent="-171450" algn="l" defTabSz="685800" rtl="0" eaLnBrk="0" fontAlgn="base" hangingPunct="0">
+              <a:lnSpc>
+                <a:spcPct val="90000"/>
+              </a:lnSpc>
+              <a:spcBef>
+                <a:spcPts val="375"/>
+              </a:spcBef>
+              <a:spcAft>
+                <a:spcPct val="0"/>
+              </a:spcAft>
+              <a:buFont typeface="Arial" charset="0"/>
+              <a:buChar char="•"/>
+              <a:defRPr sz="1600" kern="1200">
+                <a:solidFill>
+                  <a:schemeClr val="tx1"/>
+                </a:solidFill>
+                <a:latin typeface="+mn-lt"/>
+                <a:ea typeface="+mn-ea"/>
+                <a:cs typeface="+mn-cs"/>
+              </a:defRPr>
+            </a:lvl5pPr>
+            <a:lvl6pPr marL="1885950" indent="-171450" algn="l" defTabSz="685800" rtl="0" eaLnBrk="1" latinLnBrk="0" hangingPunct="1">
+              <a:lnSpc>
+                <a:spcPct val="90000"/>
+              </a:lnSpc>
+              <a:spcBef>
+                <a:spcPts val="375"/>
+              </a:spcBef>
+              <a:buFont typeface="Arial" panose="020B0604020202020204" pitchFamily="34" charset="0"/>
+              <a:buChar char="•"/>
+              <a:defRPr sz="1350" kern="1200">
+                <a:solidFill>
+                  <a:schemeClr val="tx1"/>
+                </a:solidFill>
+                <a:latin typeface="+mn-lt"/>
+                <a:ea typeface="+mn-ea"/>
+                <a:cs typeface="+mn-cs"/>
+              </a:defRPr>
+            </a:lvl6pPr>
+            <a:lvl7pPr marL="2228850" indent="-171450" algn="l" defTabSz="685800" rtl="0" eaLnBrk="1" latinLnBrk="0" hangingPunct="1">
+              <a:lnSpc>
+                <a:spcPct val="90000"/>
+              </a:lnSpc>
+              <a:spcBef>
+                <a:spcPts val="375"/>
+              </a:spcBef>
+              <a:buFont typeface="Arial" panose="020B0604020202020204" pitchFamily="34" charset="0"/>
+              <a:buChar char="•"/>
+              <a:defRPr sz="1350" kern="1200">
+                <a:solidFill>
+                  <a:schemeClr val="tx1"/>
+                </a:solidFill>
+                <a:latin typeface="+mn-lt"/>
+                <a:ea typeface="+mn-ea"/>
+                <a:cs typeface="+mn-cs"/>
+              </a:defRPr>
+            </a:lvl7pPr>
+            <a:lvl8pPr marL="2571750" indent="-171450" algn="l" defTabSz="685800" rtl="0" eaLnBrk="1" latinLnBrk="0" hangingPunct="1">
+              <a:lnSpc>
+                <a:spcPct val="90000"/>
+              </a:lnSpc>
+              <a:spcBef>
+                <a:spcPts val="375"/>
+              </a:spcBef>
+              <a:buFont typeface="Arial" panose="020B0604020202020204" pitchFamily="34" charset="0"/>
+              <a:buChar char="•"/>
+              <a:defRPr sz="1350" kern="1200">
+                <a:solidFill>
+                  <a:schemeClr val="tx1"/>
+                </a:solidFill>
+                <a:latin typeface="+mn-lt"/>
+                <a:ea typeface="+mn-ea"/>
+                <a:cs typeface="+mn-cs"/>
+              </a:defRPr>
+            </a:lvl8pPr>
+            <a:lvl9pPr marL="2914650" indent="-171450" algn="l" defTabSz="685800" rtl="0" eaLnBrk="1" latinLnBrk="0" hangingPunct="1">
+              <a:lnSpc>
+                <a:spcPct val="90000"/>
+              </a:lnSpc>
+              <a:spcBef>
+                <a:spcPts val="375"/>
+              </a:spcBef>
+              <a:buFont typeface="Arial" panose="020B0604020202020204" pitchFamily="34" charset="0"/>
+              <a:buChar char="•"/>
+              <a:defRPr sz="1350" kern="1200">
+                <a:solidFill>
+                  <a:schemeClr val="tx1"/>
+                </a:solidFill>
+                <a:latin typeface="+mn-lt"/>
+                <a:ea typeface="+mn-ea"/>
+                <a:cs typeface="+mn-cs"/>
+              </a:defRPr>
+            </a:lvl9pPr>
+          </a:lstStyle>
+          <a:p>
+            <a:r>
+              <a:rPr lang="en-US" dirty="0"/>
+              <a:t>Please attribute Dr. Jim Alves-Foss and Dr. Jia Song, University of Idaho</a:t>
+            </a:r>
+            <a:br>
+              <a:rPr lang="en-US" dirty="0"/>
+            </a:br>
+            <a:r>
+              <a:rPr lang="en-US" dirty="0"/>
+              <a:t/>
+            </a:r>
+            <a:br>
+              <a:rPr lang="en-US" dirty="0"/>
+            </a:br>
+            <a:r>
+              <a:rPr lang="en-US" dirty="0"/>
+              <a:t/>
+            </a:r>
+            <a:br>
+              <a:rPr lang="en-US" dirty="0"/>
+            </a:br>
+            <a:r>
+              <a:rPr lang="en-US" dirty="0"/>
+              <a:t/>
+            </a:r>
+            <a:br>
+              <a:rPr lang="en-US" dirty="0"/>
+            </a:br>
+            <a:r>
+              <a:rPr lang="en-US" dirty="0"/>
+              <a:t/>
+            </a:r>
+            <a:br>
+              <a:rPr lang="en-US" dirty="0"/>
+            </a:br>
+            <a:r>
+              <a:rPr lang="en-US" dirty="0"/>
+              <a:t/>
+            </a:r>
+            <a:br>
+              <a:rPr lang="en-US" dirty="0"/>
+            </a:br>
+            <a:r>
+              <a:rPr lang="en-US" dirty="0"/>
+              <a:t/>
+            </a:r>
+            <a:br>
+              <a:rPr lang="en-US" dirty="0"/>
+            </a:br>
+            <a:r>
+              <a:rPr lang="en-US" dirty="0"/>
+              <a:t/>
+            </a:r>
+            <a:br>
+              <a:rPr lang="en-US" dirty="0"/>
+            </a:br>
+            <a:endParaRPr lang="en-US" dirty="0"/>
+          </a:p>
+          <a:p>
+            <a:r>
+              <a:rPr lang="en-US" sz="1600" dirty="0"/>
+              <a:t>Except where otherwise noted, this work is licensed under https://creativecommons.org/licenses/by-nc-sa/4.0/</a:t>
+            </a:r>
+            <a:br>
+              <a:rPr lang="en-US" sz="1600" dirty="0"/>
+            </a:br>
+            <a:r>
+              <a:rPr lang="en-US" sz="1600" dirty="0"/>
+              <a:t/>
+            </a:r>
+            <a:br>
+              <a:rPr lang="en-US" sz="1600" dirty="0"/>
+            </a:br>
+            <a:r>
+              <a:rPr lang="en-US" sz="1600" dirty="0"/>
+              <a:t>Not withstanding the non-commercial license terms, non-profit educational institutions are granted a non-exclusive license to adapt and use this material, with attribution.</a:t>
+            </a:r>
+            <a:br>
+              <a:rPr lang="en-US" sz="1600" dirty="0"/>
+            </a:br>
+            <a:r>
+              <a:rPr lang="en-US" sz="1600" dirty="0"/>
+              <a:t/>
+            </a:r>
+            <a:br>
+              <a:rPr lang="en-US" sz="1600" dirty="0"/>
+            </a:br>
+            <a:r>
+              <a:rPr lang="en-US" sz="1600" dirty="0"/>
+              <a:t>Creative Commons and the double C in a circle are registered trademarks of Creative commons in the United States and other countries. Third party marks and brands are the property of their respective holders</a:t>
+            </a:r>
+            <a:r>
+              <a:rPr lang="en-US" sz="1600" dirty="0" smtClean="0"/>
+              <a:t>.</a:t>
+            </a:r>
+          </a:p>
+          <a:p>
+            <a:r>
+              <a:rPr lang="en-US" sz="1600" dirty="0"/>
+              <a:t>Project sponsored by the National Security Agency under grant Number </a:t>
+            </a:r>
+            <a:r>
+              <a:rPr lang="en-US" sz="1600" dirty="0" smtClean="0"/>
+              <a:t>H98230-17-1-0199. The </a:t>
+            </a:r>
+            <a:r>
+              <a:rPr lang="en-US" sz="1600" dirty="0"/>
+              <a:t>United States Government is authorized to reproduce and distribute reprints notwithstanding any copyright notation herein.</a:t>
+            </a:r>
+          </a:p>
+          <a:p>
+            <a:endParaRPr lang="en-US" sz="1600" dirty="0"/>
+          </a:p>
+        </p:txBody>
+      </p:sp>
     </p:spTree>
     <p:custDataLst>
       <p:tags r:id="rId1"/>
     </p:custDataLst>
     <p:extLst>
       <p:ext uri="{BB962C8B-B14F-4D97-AF65-F5344CB8AC3E}">
-        <p14:creationId xmlns:p14="http://schemas.microsoft.com/office/powerpoint/2010/main" val="1892705052"/>
+        <p14:creationId xmlns:p14="http://schemas.microsoft.com/office/powerpoint/2010/main" val="788129919"/>
       </p:ext>
     </p:extLst>
   </p:cSld>
@@ -7701,7 +7995,7 @@
           <p:cNvPr id="3" name="Slide Number Placeholder 2">
             <a:extLst>
               <a:ext uri="{FF2B5EF4-FFF2-40B4-BE49-F238E27FC236}">
-                <a16:creationId xmlns:a16="http://schemas.microsoft.com/office/drawing/2014/main" xmlns="" id="{0B1163B0-19D9-4859-8B88-CD4B646011C3}"/>
+                <a16:creationId xmlns="" xmlns:a16="http://schemas.microsoft.com/office/drawing/2014/main" id="{0B1163B0-19D9-4859-8B88-CD4B646011C3}"/>
               </a:ext>
             </a:extLst>
           </p:cNvPr>
@@ -7764,7 +8058,7 @@
           <p:cNvPr id="2" name="Title 1">
             <a:extLst>
               <a:ext uri="{FF2B5EF4-FFF2-40B4-BE49-F238E27FC236}">
-                <a16:creationId xmlns:a16="http://schemas.microsoft.com/office/drawing/2014/main" xmlns="" id="{B17B7874-AA14-4EBA-9A48-BB4ACF0D88D2}"/>
+                <a16:creationId xmlns="" xmlns:a16="http://schemas.microsoft.com/office/drawing/2014/main" id="{B17B7874-AA14-4EBA-9A48-BB4ACF0D88D2}"/>
               </a:ext>
             </a:extLst>
           </p:cNvPr>
@@ -7792,7 +8086,7 @@
           <p:cNvPr id="3" name="Content Placeholder 2">
             <a:extLst>
               <a:ext uri="{FF2B5EF4-FFF2-40B4-BE49-F238E27FC236}">
-                <a16:creationId xmlns:a16="http://schemas.microsoft.com/office/drawing/2014/main" xmlns="" id="{D88F915D-6BAF-4A47-8E1B-D257207204F2}"/>
+                <a16:creationId xmlns="" xmlns:a16="http://schemas.microsoft.com/office/drawing/2014/main" id="{D88F915D-6BAF-4A47-8E1B-D257207204F2}"/>
               </a:ext>
             </a:extLst>
           </p:cNvPr>
@@ -7848,7 +8142,7 @@
           <p:cNvPr id="4" name="Slide Number Placeholder 3">
             <a:extLst>
               <a:ext uri="{FF2B5EF4-FFF2-40B4-BE49-F238E27FC236}">
-                <a16:creationId xmlns:a16="http://schemas.microsoft.com/office/drawing/2014/main" xmlns="" id="{00767AC2-8F1B-4F3D-A254-FF588B983F50}"/>
+                <a16:creationId xmlns="" xmlns:a16="http://schemas.microsoft.com/office/drawing/2014/main" id="{00767AC2-8F1B-4F3D-A254-FF588B983F50}"/>
               </a:ext>
             </a:extLst>
           </p:cNvPr>
@@ -7916,7 +8210,7 @@
           <p:cNvPr id="2" name="Title 1">
             <a:extLst>
               <a:ext uri="{FF2B5EF4-FFF2-40B4-BE49-F238E27FC236}">
-                <a16:creationId xmlns:a16="http://schemas.microsoft.com/office/drawing/2014/main" xmlns="" id="{EC797187-A6C8-4C11-8F99-99EA32E02854}"/>
+                <a16:creationId xmlns="" xmlns:a16="http://schemas.microsoft.com/office/drawing/2014/main" id="{EC797187-A6C8-4C11-8F99-99EA32E02854}"/>
               </a:ext>
             </a:extLst>
           </p:cNvPr>
@@ -7944,7 +8238,7 @@
           <p:cNvPr id="3" name="Content Placeholder 2">
             <a:extLst>
               <a:ext uri="{FF2B5EF4-FFF2-40B4-BE49-F238E27FC236}">
-                <a16:creationId xmlns:a16="http://schemas.microsoft.com/office/drawing/2014/main" xmlns="" id="{7AD99885-E26A-44E7-A9E8-CD75F1F0238D}"/>
+                <a16:creationId xmlns="" xmlns:a16="http://schemas.microsoft.com/office/drawing/2014/main" id="{7AD99885-E26A-44E7-A9E8-CD75F1F0238D}"/>
               </a:ext>
             </a:extLst>
           </p:cNvPr>
@@ -8003,7 +8297,7 @@
           <p:cNvPr id="4" name="Slide Number Placeholder 3">
             <a:extLst>
               <a:ext uri="{FF2B5EF4-FFF2-40B4-BE49-F238E27FC236}">
-                <a16:creationId xmlns:a16="http://schemas.microsoft.com/office/drawing/2014/main" xmlns="" id="{442FA900-ED51-4906-AAE9-F7067879A033}"/>
+                <a16:creationId xmlns="" xmlns:a16="http://schemas.microsoft.com/office/drawing/2014/main" id="{442FA900-ED51-4906-AAE9-F7067879A033}"/>
               </a:ext>
             </a:extLst>
           </p:cNvPr>
@@ -8071,7 +8365,7 @@
           <p:cNvPr id="2" name="Title 1">
             <a:extLst>
               <a:ext uri="{FF2B5EF4-FFF2-40B4-BE49-F238E27FC236}">
-                <a16:creationId xmlns:a16="http://schemas.microsoft.com/office/drawing/2014/main" xmlns="" id="{F7C18D59-9F7D-41B7-98B9-6CC24F900777}"/>
+                <a16:creationId xmlns="" xmlns:a16="http://schemas.microsoft.com/office/drawing/2014/main" id="{F7C18D59-9F7D-41B7-98B9-6CC24F900777}"/>
               </a:ext>
             </a:extLst>
           </p:cNvPr>
@@ -8099,7 +8393,7 @@
           <p:cNvPr id="3" name="Content Placeholder 2">
             <a:extLst>
               <a:ext uri="{FF2B5EF4-FFF2-40B4-BE49-F238E27FC236}">
-                <a16:creationId xmlns:a16="http://schemas.microsoft.com/office/drawing/2014/main" xmlns="" id="{F4F19C1B-78B0-4C46-A702-B9468B4AB957}"/>
+                <a16:creationId xmlns="" xmlns:a16="http://schemas.microsoft.com/office/drawing/2014/main" id="{F4F19C1B-78B0-4C46-A702-B9468B4AB957}"/>
               </a:ext>
             </a:extLst>
           </p:cNvPr>
@@ -8186,7 +8480,7 @@
           <p:cNvPr id="4" name="Slide Number Placeholder 3">
             <a:extLst>
               <a:ext uri="{FF2B5EF4-FFF2-40B4-BE49-F238E27FC236}">
-                <a16:creationId xmlns:a16="http://schemas.microsoft.com/office/drawing/2014/main" xmlns="" id="{C86FB146-38BF-41D5-B719-B571538B64FD}"/>
+                <a16:creationId xmlns="" xmlns:a16="http://schemas.microsoft.com/office/drawing/2014/main" id="{C86FB146-38BF-41D5-B719-B571538B64FD}"/>
               </a:ext>
             </a:extLst>
           </p:cNvPr>
@@ -8254,7 +8548,7 @@
           <p:cNvPr id="2" name="Title 1">
             <a:extLst>
               <a:ext uri="{FF2B5EF4-FFF2-40B4-BE49-F238E27FC236}">
-                <a16:creationId xmlns:a16="http://schemas.microsoft.com/office/drawing/2014/main" xmlns="" id="{76F433C9-632A-4FE6-B8D4-A64FD6D0A9F6}"/>
+                <a16:creationId xmlns="" xmlns:a16="http://schemas.microsoft.com/office/drawing/2014/main" id="{76F433C9-632A-4FE6-B8D4-A64FD6D0A9F6}"/>
               </a:ext>
             </a:extLst>
           </p:cNvPr>
@@ -8282,7 +8576,7 @@
           <p:cNvPr id="3" name="Content Placeholder 2">
             <a:extLst>
               <a:ext uri="{FF2B5EF4-FFF2-40B4-BE49-F238E27FC236}">
-                <a16:creationId xmlns:a16="http://schemas.microsoft.com/office/drawing/2014/main" xmlns="" id="{3E5C3DF1-C6AC-46DD-A748-76B532F1B7E2}"/>
+                <a16:creationId xmlns="" xmlns:a16="http://schemas.microsoft.com/office/drawing/2014/main" id="{3E5C3DF1-C6AC-46DD-A748-76B532F1B7E2}"/>
               </a:ext>
             </a:extLst>
           </p:cNvPr>
@@ -8435,7 +8729,7 @@
           <p:cNvPr id="4" name="Slide Number Placeholder 3">
             <a:extLst>
               <a:ext uri="{FF2B5EF4-FFF2-40B4-BE49-F238E27FC236}">
-                <a16:creationId xmlns:a16="http://schemas.microsoft.com/office/drawing/2014/main" xmlns="" id="{756DEE62-5FD9-4A8B-830B-A2AD9E9E7D22}"/>
+                <a16:creationId xmlns="" xmlns:a16="http://schemas.microsoft.com/office/drawing/2014/main" id="{756DEE62-5FD9-4A8B-830B-A2AD9E9E7D22}"/>
               </a:ext>
             </a:extLst>
           </p:cNvPr>
@@ -8503,7 +8797,7 @@
           <p:cNvPr id="2" name="Title 1">
             <a:extLst>
               <a:ext uri="{FF2B5EF4-FFF2-40B4-BE49-F238E27FC236}">
-                <a16:creationId xmlns:a16="http://schemas.microsoft.com/office/drawing/2014/main" xmlns="" id="{40A2375F-5603-4490-AF60-FA20D74C7B74}"/>
+                <a16:creationId xmlns="" xmlns:a16="http://schemas.microsoft.com/office/drawing/2014/main" id="{40A2375F-5603-4490-AF60-FA20D74C7B74}"/>
               </a:ext>
             </a:extLst>
           </p:cNvPr>
@@ -8531,7 +8825,7 @@
           <p:cNvPr id="23" name="Content Placeholder 22">
             <a:extLst>
               <a:ext uri="{FF2B5EF4-FFF2-40B4-BE49-F238E27FC236}">
-                <a16:creationId xmlns:a16="http://schemas.microsoft.com/office/drawing/2014/main" xmlns="" id="{26FB1D9B-F9A6-41AE-B99D-538AB55B15DF}"/>
+                <a16:creationId xmlns="" xmlns:a16="http://schemas.microsoft.com/office/drawing/2014/main" id="{26FB1D9B-F9A6-41AE-B99D-538AB55B15DF}"/>
               </a:ext>
             </a:extLst>
           </p:cNvPr>
@@ -8728,7 +9022,7 @@
           <p:cNvPr id="4" name="Slide Number Placeholder 3">
             <a:extLst>
               <a:ext uri="{FF2B5EF4-FFF2-40B4-BE49-F238E27FC236}">
-                <a16:creationId xmlns:a16="http://schemas.microsoft.com/office/drawing/2014/main" xmlns="" id="{8E28BFCF-9CF4-4C7F-8310-60ECE984C420}"/>
+                <a16:creationId xmlns="" xmlns:a16="http://schemas.microsoft.com/office/drawing/2014/main" id="{8E28BFCF-9CF4-4C7F-8310-60ECE984C420}"/>
               </a:ext>
             </a:extLst>
           </p:cNvPr>
@@ -8796,7 +9090,7 @@
           <p:cNvPr id="2" name="Title 1">
             <a:extLst>
               <a:ext uri="{FF2B5EF4-FFF2-40B4-BE49-F238E27FC236}">
-                <a16:creationId xmlns:a16="http://schemas.microsoft.com/office/drawing/2014/main" xmlns="" id="{A9F630B4-AB00-4B4E-9988-9BDEBA9B9080}"/>
+                <a16:creationId xmlns="" xmlns:a16="http://schemas.microsoft.com/office/drawing/2014/main" id="{A9F630B4-AB00-4B4E-9988-9BDEBA9B9080}"/>
               </a:ext>
             </a:extLst>
           </p:cNvPr>
@@ -8824,7 +9118,7 @@
           <p:cNvPr id="3" name="Content Placeholder 2">
             <a:extLst>
               <a:ext uri="{FF2B5EF4-FFF2-40B4-BE49-F238E27FC236}">
-                <a16:creationId xmlns:a16="http://schemas.microsoft.com/office/drawing/2014/main" xmlns="" id="{ABC25177-9CDA-4FDE-BFDE-0413B676F8C0}"/>
+                <a16:creationId xmlns="" xmlns:a16="http://schemas.microsoft.com/office/drawing/2014/main" id="{ABC25177-9CDA-4FDE-BFDE-0413B676F8C0}"/>
               </a:ext>
             </a:extLst>
           </p:cNvPr>
@@ -8917,7 +9211,7 @@
           <p:cNvPr id="4" name="Slide Number Placeholder 3">
             <a:extLst>
               <a:ext uri="{FF2B5EF4-FFF2-40B4-BE49-F238E27FC236}">
-                <a16:creationId xmlns:a16="http://schemas.microsoft.com/office/drawing/2014/main" xmlns="" id="{E3B1DF8D-27FE-457D-BD96-6DF217655752}"/>
+                <a16:creationId xmlns="" xmlns:a16="http://schemas.microsoft.com/office/drawing/2014/main" id="{E3B1DF8D-27FE-457D-BD96-6DF217655752}"/>
               </a:ext>
             </a:extLst>
           </p:cNvPr>
@@ -9164,6 +9458,13 @@
 <file path=ppt/tags/tag38.xml><?xml version="1.0" encoding="utf-8"?>
 <p:tagLst xmlns:a="http://schemas.openxmlformats.org/drawingml/2006/main" xmlns:r="http://schemas.openxmlformats.org/officeDocument/2006/relationships" xmlns:p="http://schemas.openxmlformats.org/presentationml/2006/main">
   <p:tag name="AUDIO_ID" val="333"/>
+  <p:tag name="ARTICULATE_NAV_LEVEL" val="1"/>
+  <p:tag name="ARTICULATE_TOC_EXPANDED" val="True"/>
+  <p:tag name="ARTICULATE_SLIDE_PRESENTER_GUID" val="b6afec6b-4ad9-49aa-931c-79381ce9333b"/>
+  <p:tag name="ARTICULATE_SLIDE_PAUSE" val="0"/>
+  <p:tag name="ARTICULATE_HIDE_SLIDE" val="0"/>
+  <p:tag name="ARTICULATE_PLAYER_CONTROL_PREVIOUS" val="True"/>
+  <p:tag name="ARTICULATE_PLAYER_CONTROL_NEXT" val="True"/>
   <p:tag name="ARTICULATE_USED_LAYOUT" val="9"/>
   <p:tag name="ARTICULATE_SLIDE_THUMBNAIL_REFRESH" val="1"/>
 </p:tagLst>
